--- a/Starcounter/imcs.pptx
+++ b/Starcounter/imcs.pptx
@@ -15,13 +15,13 @@
     <p:sldId id="276" r:id="rId9"/>
     <p:sldId id="275" r:id="rId10"/>
     <p:sldId id="264" r:id="rId11"/>
-    <p:sldId id="277" r:id="rId12"/>
-    <p:sldId id="296" r:id="rId13"/>
-    <p:sldId id="298" r:id="rId14"/>
-    <p:sldId id="297" r:id="rId15"/>
+    <p:sldId id="296" r:id="rId12"/>
+    <p:sldId id="298" r:id="rId13"/>
+    <p:sldId id="297" r:id="rId14"/>
+    <p:sldId id="267" r:id="rId15"/>
     <p:sldId id="265" r:id="rId16"/>
-    <p:sldId id="267" r:id="rId17"/>
-    <p:sldId id="290" r:id="rId18"/>
+    <p:sldId id="290" r:id="rId17"/>
+    <p:sldId id="300" r:id="rId18"/>
     <p:sldId id="289" r:id="rId19"/>
     <p:sldId id="256" r:id="rId20"/>
     <p:sldId id="282" r:id="rId21"/>
@@ -34,11 +34,12 @@
     <p:sldId id="287" r:id="rId28"/>
     <p:sldId id="288" r:id="rId29"/>
     <p:sldId id="293" r:id="rId30"/>
-    <p:sldId id="269" r:id="rId31"/>
-    <p:sldId id="281" r:id="rId32"/>
-    <p:sldId id="291" r:id="rId33"/>
-    <p:sldId id="295" r:id="rId34"/>
-    <p:sldId id="278" r:id="rId35"/>
+    <p:sldId id="299" r:id="rId31"/>
+    <p:sldId id="269" r:id="rId32"/>
+    <p:sldId id="281" r:id="rId33"/>
+    <p:sldId id="291" r:id="rId34"/>
+    <p:sldId id="295" r:id="rId35"/>
+    <p:sldId id="278" r:id="rId36"/>
   </p:sldIdLst>
   <p:sldSz cx="12192000" cy="6858000"/>
   <p:notesSz cx="6858000" cy="9144000"/>
@@ -2388,7 +2389,7 @@
           <a:p>
             <a:fld id="{E41A223E-EFA9-46CD-9A40-B396BA79062B}" type="datetimeFigureOut">
               <a:rPr lang="sv-SE" smtClean="0"/>
-              <a:t>2017-10-19</a:t>
+              <a:t>2017-10-21</a:t>
             </a:fld>
             <a:endParaRPr lang="sv-SE"/>
           </a:p>
@@ -2558,7 +2559,7 @@
           <a:p>
             <a:fld id="{E41A223E-EFA9-46CD-9A40-B396BA79062B}" type="datetimeFigureOut">
               <a:rPr lang="sv-SE" smtClean="0"/>
-              <a:t>2017-10-19</a:t>
+              <a:t>2017-10-21</a:t>
             </a:fld>
             <a:endParaRPr lang="sv-SE"/>
           </a:p>
@@ -2738,7 +2739,7 @@
           <a:p>
             <a:fld id="{E41A223E-EFA9-46CD-9A40-B396BA79062B}" type="datetimeFigureOut">
               <a:rPr lang="sv-SE" smtClean="0"/>
-              <a:t>2017-10-19</a:t>
+              <a:t>2017-10-21</a:t>
             </a:fld>
             <a:endParaRPr lang="sv-SE"/>
           </a:p>
@@ -3034,7 +3035,7 @@
             <a:fld id="{B61BEF0D-F0BB-DE4B-95CE-6DB70DBA9567}" type="datetimeFigureOut">
               <a:rPr lang="en-US" smtClean="0"/>
               <a:pPr/>
-              <a:t>10/19/2017</a:t>
+              <a:t>10/21/2017</a:t>
             </a:fld>
             <a:endParaRPr lang="en-US" dirty="0"/>
           </a:p>
@@ -3249,7 +3250,7 @@
             <a:fld id="{B61BEF0D-F0BB-DE4B-95CE-6DB70DBA9567}" type="datetimeFigureOut">
               <a:rPr lang="en-US" dirty="0"/>
               <a:pPr/>
-              <a:t>10/19/2017</a:t>
+              <a:t>10/21/2017</a:t>
             </a:fld>
             <a:endParaRPr lang="en-US" dirty="0"/>
           </a:p>
@@ -3502,7 +3503,7 @@
             <a:fld id="{B61BEF0D-F0BB-DE4B-95CE-6DB70DBA9567}" type="datetimeFigureOut">
               <a:rPr lang="en-US" smtClean="0"/>
               <a:pPr/>
-              <a:t>10/19/2017</a:t>
+              <a:t>10/21/2017</a:t>
             </a:fld>
             <a:endParaRPr lang="en-US" dirty="0"/>
           </a:p>
@@ -3739,7 +3740,7 @@
             <a:fld id="{B61BEF0D-F0BB-DE4B-95CE-6DB70DBA9567}" type="datetimeFigureOut">
               <a:rPr lang="en-US" dirty="0"/>
               <a:pPr/>
-              <a:t>10/19/2017</a:t>
+              <a:t>10/21/2017</a:t>
             </a:fld>
             <a:endParaRPr lang="en-US" dirty="0"/>
           </a:p>
@@ -4105,7 +4106,7 @@
             <a:fld id="{B61BEF0D-F0BB-DE4B-95CE-6DB70DBA9567}" type="datetimeFigureOut">
               <a:rPr lang="en-US" dirty="0"/>
               <a:pPr/>
-              <a:t>10/19/2017</a:t>
+              <a:t>10/21/2017</a:t>
             </a:fld>
             <a:endParaRPr lang="en-US" dirty="0"/>
           </a:p>
@@ -4211,7 +4212,7 @@
             <a:fld id="{B61BEF0D-F0BB-DE4B-95CE-6DB70DBA9567}" type="datetimeFigureOut">
               <a:rPr lang="en-US" dirty="0"/>
               <a:pPr/>
-              <a:t>10/19/2017</a:t>
+              <a:t>10/21/2017</a:t>
             </a:fld>
             <a:endParaRPr lang="en-US" dirty="0"/>
           </a:p>
@@ -4289,7 +4290,7 @@
             <a:fld id="{B61BEF0D-F0BB-DE4B-95CE-6DB70DBA9567}" type="datetimeFigureOut">
               <a:rPr lang="en-US" dirty="0"/>
               <a:pPr/>
-              <a:t>10/19/2017</a:t>
+              <a:t>10/21/2017</a:t>
             </a:fld>
             <a:endParaRPr lang="en-US" dirty="0"/>
           </a:p>
@@ -4685,7 +4686,7 @@
             <a:fld id="{B61BEF0D-F0BB-DE4B-95CE-6DB70DBA9567}" type="datetimeFigureOut">
               <a:rPr lang="en-US" smtClean="0"/>
               <a:pPr/>
-              <a:t>10/19/2017</a:t>
+              <a:t>10/21/2017</a:t>
             </a:fld>
             <a:endParaRPr lang="en-US" dirty="0"/>
           </a:p>
@@ -4885,7 +4886,7 @@
           <a:p>
             <a:fld id="{E41A223E-EFA9-46CD-9A40-B396BA79062B}" type="datetimeFigureOut">
               <a:rPr lang="sv-SE" smtClean="0"/>
-              <a:t>2017-10-19</a:t>
+              <a:t>2017-10-21</a:t>
             </a:fld>
             <a:endParaRPr lang="sv-SE"/>
           </a:p>
@@ -5199,7 +5200,7 @@
             <a:fld id="{B61BEF0D-F0BB-DE4B-95CE-6DB70DBA9567}" type="datetimeFigureOut">
               <a:rPr lang="en-US" dirty="0"/>
               <a:pPr/>
-              <a:t>10/19/2017</a:t>
+              <a:t>10/21/2017</a:t>
             </a:fld>
             <a:endParaRPr lang="en-US" dirty="0"/>
           </a:p>
@@ -5373,7 +5374,7 @@
             <a:fld id="{B61BEF0D-F0BB-DE4B-95CE-6DB70DBA9567}" type="datetimeFigureOut">
               <a:rPr lang="en-US" dirty="0"/>
               <a:pPr/>
-              <a:t>10/19/2017</a:t>
+              <a:t>10/21/2017</a:t>
             </a:fld>
             <a:endParaRPr lang="en-US" dirty="0"/>
           </a:p>
@@ -5624,7 +5625,7 @@
             <a:fld id="{B61BEF0D-F0BB-DE4B-95CE-6DB70DBA9567}" type="datetimeFigureOut">
               <a:rPr lang="en-US" smtClean="0"/>
               <a:pPr/>
-              <a:t>10/19/2017</a:t>
+              <a:t>10/21/2017</a:t>
             </a:fld>
             <a:endParaRPr lang="en-US" dirty="0"/>
           </a:p>
@@ -5865,7 +5866,7 @@
           <a:p>
             <a:fld id="{E41A223E-EFA9-46CD-9A40-B396BA79062B}" type="datetimeFigureOut">
               <a:rPr lang="sv-SE" smtClean="0"/>
-              <a:t>2017-10-19</a:t>
+              <a:t>2017-10-21</a:t>
             </a:fld>
             <a:endParaRPr lang="sv-SE"/>
           </a:p>
@@ -6097,7 +6098,7 @@
           <a:p>
             <a:fld id="{E41A223E-EFA9-46CD-9A40-B396BA79062B}" type="datetimeFigureOut">
               <a:rPr lang="sv-SE" smtClean="0"/>
-              <a:t>2017-10-19</a:t>
+              <a:t>2017-10-21</a:t>
             </a:fld>
             <a:endParaRPr lang="sv-SE"/>
           </a:p>
@@ -6464,7 +6465,7 @@
           <a:p>
             <a:fld id="{E41A223E-EFA9-46CD-9A40-B396BA79062B}" type="datetimeFigureOut">
               <a:rPr lang="sv-SE" smtClean="0"/>
-              <a:t>2017-10-19</a:t>
+              <a:t>2017-10-21</a:t>
             </a:fld>
             <a:endParaRPr lang="sv-SE"/>
           </a:p>
@@ -6582,7 +6583,7 @@
           <a:p>
             <a:fld id="{E41A223E-EFA9-46CD-9A40-B396BA79062B}" type="datetimeFigureOut">
               <a:rPr lang="sv-SE" smtClean="0"/>
-              <a:t>2017-10-19</a:t>
+              <a:t>2017-10-21</a:t>
             </a:fld>
             <a:endParaRPr lang="sv-SE"/>
           </a:p>
@@ -6677,7 +6678,7 @@
           <a:p>
             <a:fld id="{E41A223E-EFA9-46CD-9A40-B396BA79062B}" type="datetimeFigureOut">
               <a:rPr lang="sv-SE" smtClean="0"/>
-              <a:t>2017-10-19</a:t>
+              <a:t>2017-10-21</a:t>
             </a:fld>
             <a:endParaRPr lang="sv-SE"/>
           </a:p>
@@ -6954,7 +6955,7 @@
           <a:p>
             <a:fld id="{E41A223E-EFA9-46CD-9A40-B396BA79062B}" type="datetimeFigureOut">
               <a:rPr lang="sv-SE" smtClean="0"/>
-              <a:t>2017-10-19</a:t>
+              <a:t>2017-10-21</a:t>
             </a:fld>
             <a:endParaRPr lang="sv-SE"/>
           </a:p>
@@ -7211,7 +7212,7 @@
           <a:p>
             <a:fld id="{E41A223E-EFA9-46CD-9A40-B396BA79062B}" type="datetimeFigureOut">
               <a:rPr lang="sv-SE" smtClean="0"/>
-              <a:t>2017-10-19</a:t>
+              <a:t>2017-10-21</a:t>
             </a:fld>
             <a:endParaRPr lang="sv-SE"/>
           </a:p>
@@ -7427,7 +7428,7 @@
           <a:p>
             <a:fld id="{E41A223E-EFA9-46CD-9A40-B396BA79062B}" type="datetimeFigureOut">
               <a:rPr lang="sv-SE" smtClean="0"/>
-              <a:t>2017-10-19</a:t>
+              <a:t>2017-10-21</a:t>
             </a:fld>
             <a:endParaRPr lang="sv-SE"/>
           </a:p>
@@ -7994,7 +7995,7 @@
             <a:fld id="{B61BEF0D-F0BB-DE4B-95CE-6DB70DBA9567}" type="datetimeFigureOut">
               <a:rPr lang="en-US" smtClean="0"/>
               <a:pPr/>
-              <a:t>10/19/2017</a:t>
+              <a:t>10/21/2017</a:t>
             </a:fld>
             <a:endParaRPr lang="en-US" dirty="0"/>
           </a:p>
@@ -8545,65 +8546,6 @@
           <a:chExt cx="0" cy="0"/>
         </a:xfrm>
       </p:grpSpPr>
-      <p:sp>
-        <p:nvSpPr>
-          <p:cNvPr id="2" name="Title 1">
-            <a:extLst>
-              <a:ext uri="{FF2B5EF4-FFF2-40B4-BE49-F238E27FC236}">
-                <a16:creationId xmlns:a16="http://schemas.microsoft.com/office/drawing/2014/main" id="{FF5F1FEF-30F9-4C3F-AC3C-1E9ABC26842A}"/>
-              </a:ext>
-            </a:extLst>
-          </p:cNvPr>
-          <p:cNvSpPr>
-            <a:spLocks noGrp="1"/>
-          </p:cNvSpPr>
-          <p:nvPr>
-            <p:ph type="title"/>
-          </p:nvPr>
-        </p:nvSpPr>
-        <p:spPr/>
-        <p:txBody>
-          <a:bodyPr/>
-          <a:lstStyle/>
-          <a:p>
-            <a:pPr algn="ctr"/>
-            <a:r>
-              <a:rPr lang="sv-SE" b="1" dirty="0"/>
-              <a:t>Demo People App</a:t>
-            </a:r>
-          </a:p>
-        </p:txBody>
-      </p:sp>
-    </p:spTree>
-    <p:extLst>
-      <p:ext uri="{BB962C8B-B14F-4D97-AF65-F5344CB8AC3E}">
-        <p14:creationId xmlns:p14="http://schemas.microsoft.com/office/powerpoint/2010/main" val="705255412"/>
-      </p:ext>
-    </p:extLst>
-  </p:cSld>
-  <p:clrMapOvr>
-    <a:masterClrMapping/>
-  </p:clrMapOvr>
-</p:sld>
-</file>
-
-<file path=ppt/slides/slide11.xml><?xml version="1.0" encoding="utf-8"?>
-<p:sld xmlns:a="http://schemas.openxmlformats.org/drawingml/2006/main" xmlns:r="http://schemas.openxmlformats.org/officeDocument/2006/relationships" xmlns:p="http://schemas.openxmlformats.org/presentationml/2006/main">
-  <p:cSld>
-    <p:spTree>
-      <p:nvGrpSpPr>
-        <p:cNvPr id="1" name=""/>
-        <p:cNvGrpSpPr/>
-        <p:nvPr/>
-      </p:nvGrpSpPr>
-      <p:grpSpPr>
-        <a:xfrm>
-          <a:off x="0" y="0"/>
-          <a:ext cx="0" cy="0"/>
-          <a:chOff x="0" y="0"/>
-          <a:chExt cx="0" cy="0"/>
-        </a:xfrm>
-      </p:grpSpPr>
       <p:pic>
         <p:nvPicPr>
           <p:cNvPr id="5" name="Picture 4">
@@ -8646,7 +8588,7 @@
 </p:sld>
 </file>
 
-<file path=ppt/slides/slide12.xml><?xml version="1.0" encoding="utf-8"?>
+<file path=ppt/slides/slide11.xml><?xml version="1.0" encoding="utf-8"?>
 <p:sld xmlns:a="http://schemas.openxmlformats.org/drawingml/2006/main" xmlns:r="http://schemas.openxmlformats.org/officeDocument/2006/relationships" xmlns:p="http://schemas.openxmlformats.org/presentationml/2006/main">
   <p:cSld>
     <p:spTree>
@@ -9314,7 +9256,7 @@
 </p:sld>
 </file>
 
-<file path=ppt/slides/slide13.xml><?xml version="1.0" encoding="utf-8"?>
+<file path=ppt/slides/slide12.xml><?xml version="1.0" encoding="utf-8"?>
 <p:sld xmlns:a="http://schemas.openxmlformats.org/drawingml/2006/main" xmlns:r="http://schemas.openxmlformats.org/officeDocument/2006/relationships" xmlns:p="http://schemas.openxmlformats.org/presentationml/2006/main">
   <p:cSld>
     <p:spTree>
@@ -10515,6 +10457,126 @@
 </p:sld>
 </file>
 
+<file path=ppt/slides/slide13.xml><?xml version="1.0" encoding="utf-8"?>
+<p:sld xmlns:a="http://schemas.openxmlformats.org/drawingml/2006/main" xmlns:r="http://schemas.openxmlformats.org/officeDocument/2006/relationships" xmlns:p="http://schemas.openxmlformats.org/presentationml/2006/main">
+  <p:cSld>
+    <p:spTree>
+      <p:nvGrpSpPr>
+        <p:cNvPr id="1" name=""/>
+        <p:cNvGrpSpPr/>
+        <p:nvPr/>
+      </p:nvGrpSpPr>
+      <p:grpSpPr>
+        <a:xfrm>
+          <a:off x="0" y="0"/>
+          <a:ext cx="0" cy="0"/>
+          <a:chOff x="0" y="0"/>
+          <a:chExt cx="0" cy="0"/>
+        </a:xfrm>
+      </p:grpSpPr>
+      <p:sp>
+        <p:nvSpPr>
+          <p:cNvPr id="6" name="Rectangle 5">
+            <a:extLst>
+              <a:ext uri="{FF2B5EF4-FFF2-40B4-BE49-F238E27FC236}">
+                <a16:creationId xmlns:a16="http://schemas.microsoft.com/office/drawing/2014/main" id="{AD8EDB02-5740-430D-9545-7CB3FFA49C83}"/>
+              </a:ext>
+            </a:extLst>
+          </p:cNvPr>
+          <p:cNvSpPr/>
+          <p:nvPr/>
+        </p:nvSpPr>
+        <p:spPr>
+          <a:xfrm>
+            <a:off x="0" y="2497160"/>
+            <a:ext cx="12192000" cy="1846556"/>
+          </a:xfrm>
+          <a:prstGeom prst="rect">
+            <a:avLst/>
+          </a:prstGeom>
+          <a:solidFill>
+            <a:srgbClr val="194461"/>
+          </a:solidFill>
+          <a:ln>
+            <a:noFill/>
+          </a:ln>
+        </p:spPr>
+        <p:style>
+          <a:lnRef idx="2">
+            <a:schemeClr val="accent1">
+              <a:shade val="50000"/>
+            </a:schemeClr>
+          </a:lnRef>
+          <a:fillRef idx="1">
+            <a:schemeClr val="accent1"/>
+          </a:fillRef>
+          <a:effectRef idx="0">
+            <a:schemeClr val="accent1"/>
+          </a:effectRef>
+          <a:fontRef idx="minor">
+            <a:schemeClr val="lt1"/>
+          </a:fontRef>
+        </p:style>
+        <p:txBody>
+          <a:bodyPr rtlCol="0" anchor="ctr"/>
+          <a:lstStyle/>
+          <a:p>
+            <a:pPr algn="ctr"/>
+            <a:endParaRPr lang="sv-SE"/>
+          </a:p>
+        </p:txBody>
+      </p:sp>
+      <p:sp>
+        <p:nvSpPr>
+          <p:cNvPr id="8" name="Title 1">
+            <a:extLst>
+              <a:ext uri="{FF2B5EF4-FFF2-40B4-BE49-F238E27FC236}">
+                <a16:creationId xmlns:a16="http://schemas.microsoft.com/office/drawing/2014/main" id="{A45F9CF4-1468-4A33-8DD3-D098DB827F6E}"/>
+              </a:ext>
+            </a:extLst>
+          </p:cNvPr>
+          <p:cNvSpPr>
+            <a:spLocks noGrp="1"/>
+          </p:cNvSpPr>
+          <p:nvPr>
+            <p:ph type="title"/>
+          </p:nvPr>
+        </p:nvSpPr>
+        <p:spPr>
+          <a:xfrm>
+            <a:off x="838200" y="2757657"/>
+            <a:ext cx="10515600" cy="1325563"/>
+          </a:xfrm>
+        </p:spPr>
+        <p:txBody>
+          <a:bodyPr>
+            <a:normAutofit/>
+          </a:bodyPr>
+          <a:lstStyle/>
+          <a:p>
+            <a:pPr algn="ctr"/>
+            <a:r>
+              <a:rPr lang="sv-SE" sz="8000" b="1" i="1" dirty="0">
+                <a:latin typeface="Lobster Two" panose="02000506000000020003" pitchFamily="50" charset="0"/>
+              </a:rPr>
+              <a:t>Data Flow Programming</a:t>
+            </a:r>
+          </a:p>
+        </p:txBody>
+      </p:sp>
+    </p:spTree>
+    <p:extLst>
+      <p:ext uri="{BB962C8B-B14F-4D97-AF65-F5344CB8AC3E}">
+        <p14:creationId xmlns:p14="http://schemas.microsoft.com/office/powerpoint/2010/main" val="314517645"/>
+      </p:ext>
+    </p:extLst>
+  </p:cSld>
+  <p:clrMapOvr>
+    <a:masterClrMapping/>
+  </p:clrMapOvr>
+</p:sld>
+</file>
+
 <file path=ppt/slides/slide14.xml><?xml version="1.0" encoding="utf-8"?>
 <p:sld xmlns:a="http://schemas.openxmlformats.org/drawingml/2006/main" xmlns:r="http://schemas.openxmlformats.org/officeDocument/2006/relationships" xmlns:p="http://schemas.openxmlformats.org/presentationml/2006/main">
   <p:cSld>
@@ -12257,126 +12319,6 @@
       </p:grpSpPr>
       <p:sp>
         <p:nvSpPr>
-          <p:cNvPr id="6" name="Rectangle 5">
-            <a:extLst>
-              <a:ext uri="{FF2B5EF4-FFF2-40B4-BE49-F238E27FC236}">
-                <a16:creationId xmlns:a16="http://schemas.microsoft.com/office/drawing/2014/main" id="{AD8EDB02-5740-430D-9545-7CB3FFA49C83}"/>
-              </a:ext>
-            </a:extLst>
-          </p:cNvPr>
-          <p:cNvSpPr/>
-          <p:nvPr/>
-        </p:nvSpPr>
-        <p:spPr>
-          <a:xfrm>
-            <a:off x="0" y="2497160"/>
-            <a:ext cx="12192000" cy="1846556"/>
-          </a:xfrm>
-          <a:prstGeom prst="rect">
-            <a:avLst/>
-          </a:prstGeom>
-          <a:solidFill>
-            <a:srgbClr val="194461"/>
-          </a:solidFill>
-          <a:ln>
-            <a:noFill/>
-          </a:ln>
-        </p:spPr>
-        <p:style>
-          <a:lnRef idx="2">
-            <a:schemeClr val="accent1">
-              <a:shade val="50000"/>
-            </a:schemeClr>
-          </a:lnRef>
-          <a:fillRef idx="1">
-            <a:schemeClr val="accent1"/>
-          </a:fillRef>
-          <a:effectRef idx="0">
-            <a:schemeClr val="accent1"/>
-          </a:effectRef>
-          <a:fontRef idx="minor">
-            <a:schemeClr val="lt1"/>
-          </a:fontRef>
-        </p:style>
-        <p:txBody>
-          <a:bodyPr rtlCol="0" anchor="ctr"/>
-          <a:lstStyle/>
-          <a:p>
-            <a:pPr algn="ctr"/>
-            <a:endParaRPr lang="sv-SE"/>
-          </a:p>
-        </p:txBody>
-      </p:sp>
-      <p:sp>
-        <p:nvSpPr>
-          <p:cNvPr id="8" name="Title 1">
-            <a:extLst>
-              <a:ext uri="{FF2B5EF4-FFF2-40B4-BE49-F238E27FC236}">
-                <a16:creationId xmlns:a16="http://schemas.microsoft.com/office/drawing/2014/main" id="{A45F9CF4-1468-4A33-8DD3-D098DB827F6E}"/>
-              </a:ext>
-            </a:extLst>
-          </p:cNvPr>
-          <p:cNvSpPr>
-            <a:spLocks noGrp="1"/>
-          </p:cNvSpPr>
-          <p:nvPr>
-            <p:ph type="title"/>
-          </p:nvPr>
-        </p:nvSpPr>
-        <p:spPr>
-          <a:xfrm>
-            <a:off x="838200" y="2757657"/>
-            <a:ext cx="10515600" cy="1325563"/>
-          </a:xfrm>
-        </p:spPr>
-        <p:txBody>
-          <a:bodyPr>
-            <a:normAutofit/>
-          </a:bodyPr>
-          <a:lstStyle/>
-          <a:p>
-            <a:pPr algn="ctr"/>
-            <a:r>
-              <a:rPr lang="sv-SE" sz="8000" b="1" i="1" dirty="0">
-                <a:latin typeface="Lobster Two" panose="02000506000000020003" pitchFamily="50" charset="0"/>
-              </a:rPr>
-              <a:t>Data Flow Programming</a:t>
-            </a:r>
-          </a:p>
-        </p:txBody>
-      </p:sp>
-    </p:spTree>
-    <p:extLst>
-      <p:ext uri="{BB962C8B-B14F-4D97-AF65-F5344CB8AC3E}">
-        <p14:creationId xmlns:p14="http://schemas.microsoft.com/office/powerpoint/2010/main" val="314517645"/>
-      </p:ext>
-    </p:extLst>
-  </p:cSld>
-  <p:clrMapOvr>
-    <a:masterClrMapping/>
-  </p:clrMapOvr>
-</p:sld>
-</file>
-
-<file path=ppt/slides/slide16.xml><?xml version="1.0" encoding="utf-8"?>
-<p:sld xmlns:a="http://schemas.openxmlformats.org/drawingml/2006/main" xmlns:r="http://schemas.openxmlformats.org/officeDocument/2006/relationships" xmlns:p="http://schemas.openxmlformats.org/presentationml/2006/main">
-  <p:cSld>
-    <p:spTree>
-      <p:nvGrpSpPr>
-        <p:cNvPr id="1" name=""/>
-        <p:cNvGrpSpPr/>
-        <p:nvPr/>
-      </p:nvGrpSpPr>
-      <p:grpSpPr>
-        <a:xfrm>
-          <a:off x="0" y="0"/>
-          <a:ext cx="0" cy="0"/>
-          <a:chOff x="0" y="0"/>
-          <a:chExt cx="0" cy="0"/>
-        </a:xfrm>
-      </p:grpSpPr>
-      <p:sp>
-        <p:nvSpPr>
           <p:cNvPr id="25" name="Rectangle 24">
             <a:extLst>
               <a:ext uri="{FF2B5EF4-FFF2-40B4-BE49-F238E27FC236}">
@@ -13828,6 +13770,69 @@
     <p:extLst>
       <p:ext uri="{BB962C8B-B14F-4D97-AF65-F5344CB8AC3E}">
         <p14:creationId xmlns:p14="http://schemas.microsoft.com/office/powerpoint/2010/main" val="4070411543"/>
+      </p:ext>
+    </p:extLst>
+  </p:cSld>
+  <p:clrMapOvr>
+    <a:masterClrMapping/>
+  </p:clrMapOvr>
+</p:sld>
+</file>
+
+<file path=ppt/slides/slide16.xml><?xml version="1.0" encoding="utf-8"?>
+<p:sld xmlns:a="http://schemas.openxmlformats.org/drawingml/2006/main" xmlns:r="http://schemas.openxmlformats.org/officeDocument/2006/relationships" xmlns:p="http://schemas.openxmlformats.org/presentationml/2006/main">
+  <p:cSld>
+    <p:spTree>
+      <p:nvGrpSpPr>
+        <p:cNvPr id="1" name=""/>
+        <p:cNvGrpSpPr/>
+        <p:nvPr/>
+      </p:nvGrpSpPr>
+      <p:grpSpPr>
+        <a:xfrm>
+          <a:off x="0" y="0"/>
+          <a:ext cx="0" cy="0"/>
+          <a:chOff x="0" y="0"/>
+          <a:chExt cx="0" cy="0"/>
+        </a:xfrm>
+      </p:grpSpPr>
+      <p:sp>
+        <p:nvSpPr>
+          <p:cNvPr id="2" name="Title 1">
+            <a:extLst>
+              <a:ext uri="{FF2B5EF4-FFF2-40B4-BE49-F238E27FC236}">
+                <a16:creationId xmlns:a16="http://schemas.microsoft.com/office/drawing/2014/main" id="{CBA16CBE-A80F-41BF-AD45-D1DC66B54335}"/>
+              </a:ext>
+            </a:extLst>
+          </p:cNvPr>
+          <p:cNvSpPr>
+            <a:spLocks noGrp="1"/>
+          </p:cNvSpPr>
+          <p:nvPr>
+            <p:ph type="title"/>
+          </p:nvPr>
+        </p:nvSpPr>
+        <p:spPr/>
+        <p:txBody>
+          <a:bodyPr/>
+          <a:lstStyle/>
+          <a:p>
+            <a:r>
+              <a:rPr lang="sv-SE" b="1" dirty="0"/>
+              <a:t>Demo </a:t>
+            </a:r>
+            <a:r>
+              <a:rPr lang="sv-SE" b="1" dirty="0" err="1"/>
+              <a:t>Dataflow</a:t>
+            </a:r>
+            <a:endParaRPr lang="sv-SE" b="1" dirty="0"/>
+          </a:p>
+        </p:txBody>
+      </p:sp>
+    </p:spTree>
+    <p:extLst>
+      <p:ext uri="{BB962C8B-B14F-4D97-AF65-F5344CB8AC3E}">
+        <p14:creationId xmlns:p14="http://schemas.microsoft.com/office/powerpoint/2010/main" val="3667984333"/>
       </p:ext>
     </p:extLst>
   </p:cSld>
@@ -31089,62 +31094,10 @@
       </p:grpSpPr>
       <p:sp>
         <p:nvSpPr>
-          <p:cNvPr id="6" name="Rectangle 5">
+          <p:cNvPr id="2" name="Title 1">
             <a:extLst>
               <a:ext uri="{FF2B5EF4-FFF2-40B4-BE49-F238E27FC236}">
-                <a16:creationId xmlns:a16="http://schemas.microsoft.com/office/drawing/2014/main" id="{AD8EDB02-5740-430D-9545-7CB3FFA49C83}"/>
-              </a:ext>
-            </a:extLst>
-          </p:cNvPr>
-          <p:cNvSpPr/>
-          <p:nvPr/>
-        </p:nvSpPr>
-        <p:spPr>
-          <a:xfrm>
-            <a:off x="0" y="2497160"/>
-            <a:ext cx="12192000" cy="1846556"/>
-          </a:xfrm>
-          <a:prstGeom prst="rect">
-            <a:avLst/>
-          </a:prstGeom>
-          <a:solidFill>
-            <a:srgbClr val="194461"/>
-          </a:solidFill>
-          <a:ln>
-            <a:noFill/>
-          </a:ln>
-        </p:spPr>
-        <p:style>
-          <a:lnRef idx="2">
-            <a:schemeClr val="accent1">
-              <a:shade val="50000"/>
-            </a:schemeClr>
-          </a:lnRef>
-          <a:fillRef idx="1">
-            <a:schemeClr val="accent1"/>
-          </a:fillRef>
-          <a:effectRef idx="0">
-            <a:schemeClr val="accent1"/>
-          </a:effectRef>
-          <a:fontRef idx="minor">
-            <a:schemeClr val="lt1"/>
-          </a:fontRef>
-        </p:style>
-        <p:txBody>
-          <a:bodyPr rtlCol="0" anchor="ctr"/>
-          <a:lstStyle/>
-          <a:p>
-            <a:pPr algn="ctr"/>
-            <a:endParaRPr lang="sv-SE"/>
-          </a:p>
-        </p:txBody>
-      </p:sp>
-      <p:sp>
-        <p:nvSpPr>
-          <p:cNvPr id="7" name="Title 1">
-            <a:extLst>
-              <a:ext uri="{FF2B5EF4-FFF2-40B4-BE49-F238E27FC236}">
-                <a16:creationId xmlns:a16="http://schemas.microsoft.com/office/drawing/2014/main" id="{FFFA5A6B-6C12-4D71-A55D-79FE94D41563}"/>
+                <a16:creationId xmlns:a16="http://schemas.microsoft.com/office/drawing/2014/main" id="{CBA16CBE-A80F-41BF-AD45-D1DC66B54335}"/>
               </a:ext>
             </a:extLst>
           </p:cNvPr>
@@ -31155,32 +31108,27 @@
             <p:ph type="title"/>
           </p:nvPr>
         </p:nvSpPr>
-        <p:spPr>
-          <a:xfrm>
-            <a:off x="838200" y="2757657"/>
-            <a:ext cx="10515600" cy="1325563"/>
-          </a:xfrm>
-        </p:spPr>
+        <p:spPr/>
         <p:txBody>
-          <a:bodyPr>
-            <a:normAutofit/>
-          </a:bodyPr>
+          <a:bodyPr/>
           <a:lstStyle/>
           <a:p>
-            <a:pPr algn="ctr"/>
             <a:r>
-              <a:rPr lang="sv-SE" sz="8000" b="1" i="1" dirty="0">
-                <a:latin typeface="Lobster Two" panose="02000506000000020003" pitchFamily="50" charset="0"/>
-              </a:rPr>
-              <a:t>The Future of Hardware</a:t>
+              <a:rPr lang="sv-SE" b="1" dirty="0"/>
+              <a:t>Demo 1 mil </a:t>
             </a:r>
+            <a:r>
+              <a:rPr lang="sv-SE" b="1" dirty="0" err="1"/>
+              <a:t>transactions</a:t>
+            </a:r>
+            <a:endParaRPr lang="sv-SE" b="1" dirty="0"/>
           </a:p>
         </p:txBody>
       </p:sp>
     </p:spTree>
     <p:extLst>
       <p:ext uri="{BB962C8B-B14F-4D97-AF65-F5344CB8AC3E}">
-        <p14:creationId xmlns:p14="http://schemas.microsoft.com/office/powerpoint/2010/main" val="450394313"/>
+        <p14:creationId xmlns:p14="http://schemas.microsoft.com/office/powerpoint/2010/main" val="4118380162"/>
       </p:ext>
     </p:extLst>
   </p:cSld>
@@ -31328,6 +31276,126 @@
 </file>
 
 <file path=ppt/slides/slide30.xml><?xml version="1.0" encoding="utf-8"?>
+<p:sld xmlns:a="http://schemas.openxmlformats.org/drawingml/2006/main" xmlns:r="http://schemas.openxmlformats.org/officeDocument/2006/relationships" xmlns:p="http://schemas.openxmlformats.org/presentationml/2006/main">
+  <p:cSld>
+    <p:spTree>
+      <p:nvGrpSpPr>
+        <p:cNvPr id="1" name=""/>
+        <p:cNvGrpSpPr/>
+        <p:nvPr/>
+      </p:nvGrpSpPr>
+      <p:grpSpPr>
+        <a:xfrm>
+          <a:off x="0" y="0"/>
+          <a:ext cx="0" cy="0"/>
+          <a:chOff x="0" y="0"/>
+          <a:chExt cx="0" cy="0"/>
+        </a:xfrm>
+      </p:grpSpPr>
+      <p:sp>
+        <p:nvSpPr>
+          <p:cNvPr id="6" name="Rectangle 5">
+            <a:extLst>
+              <a:ext uri="{FF2B5EF4-FFF2-40B4-BE49-F238E27FC236}">
+                <a16:creationId xmlns:a16="http://schemas.microsoft.com/office/drawing/2014/main" id="{AD8EDB02-5740-430D-9545-7CB3FFA49C83}"/>
+              </a:ext>
+            </a:extLst>
+          </p:cNvPr>
+          <p:cNvSpPr/>
+          <p:nvPr/>
+        </p:nvSpPr>
+        <p:spPr>
+          <a:xfrm>
+            <a:off x="0" y="2497160"/>
+            <a:ext cx="12192000" cy="1846556"/>
+          </a:xfrm>
+          <a:prstGeom prst="rect">
+            <a:avLst/>
+          </a:prstGeom>
+          <a:solidFill>
+            <a:srgbClr val="194461"/>
+          </a:solidFill>
+          <a:ln>
+            <a:noFill/>
+          </a:ln>
+        </p:spPr>
+        <p:style>
+          <a:lnRef idx="2">
+            <a:schemeClr val="accent1">
+              <a:shade val="50000"/>
+            </a:schemeClr>
+          </a:lnRef>
+          <a:fillRef idx="1">
+            <a:schemeClr val="accent1"/>
+          </a:fillRef>
+          <a:effectRef idx="0">
+            <a:schemeClr val="accent1"/>
+          </a:effectRef>
+          <a:fontRef idx="minor">
+            <a:schemeClr val="lt1"/>
+          </a:fontRef>
+        </p:style>
+        <p:txBody>
+          <a:bodyPr rtlCol="0" anchor="ctr"/>
+          <a:lstStyle/>
+          <a:p>
+            <a:pPr algn="ctr"/>
+            <a:endParaRPr lang="sv-SE"/>
+          </a:p>
+        </p:txBody>
+      </p:sp>
+      <p:sp>
+        <p:nvSpPr>
+          <p:cNvPr id="7" name="Title 1">
+            <a:extLst>
+              <a:ext uri="{FF2B5EF4-FFF2-40B4-BE49-F238E27FC236}">
+                <a16:creationId xmlns:a16="http://schemas.microsoft.com/office/drawing/2014/main" id="{FFFA5A6B-6C12-4D71-A55D-79FE94D41563}"/>
+              </a:ext>
+            </a:extLst>
+          </p:cNvPr>
+          <p:cNvSpPr>
+            <a:spLocks noGrp="1"/>
+          </p:cNvSpPr>
+          <p:nvPr>
+            <p:ph type="title"/>
+          </p:nvPr>
+        </p:nvSpPr>
+        <p:spPr>
+          <a:xfrm>
+            <a:off x="838200" y="2757657"/>
+            <a:ext cx="10515600" cy="1325563"/>
+          </a:xfrm>
+        </p:spPr>
+        <p:txBody>
+          <a:bodyPr>
+            <a:normAutofit/>
+          </a:bodyPr>
+          <a:lstStyle/>
+          <a:p>
+            <a:pPr algn="ctr"/>
+            <a:r>
+              <a:rPr lang="sv-SE" sz="8000" b="1" i="1" dirty="0">
+                <a:latin typeface="Lobster Two" panose="02000506000000020003" pitchFamily="50" charset="0"/>
+              </a:rPr>
+              <a:t>The Future of Hardware</a:t>
+            </a:r>
+          </a:p>
+        </p:txBody>
+      </p:sp>
+    </p:spTree>
+    <p:extLst>
+      <p:ext uri="{BB962C8B-B14F-4D97-AF65-F5344CB8AC3E}">
+        <p14:creationId xmlns:p14="http://schemas.microsoft.com/office/powerpoint/2010/main" val="450394313"/>
+      </p:ext>
+    </p:extLst>
+  </p:cSld>
+  <p:clrMapOvr>
+    <a:masterClrMapping/>
+  </p:clrMapOvr>
+</p:sld>
+</file>
+
+<file path=ppt/slides/slide31.xml><?xml version="1.0" encoding="utf-8"?>
 <p:sld xmlns:a="http://schemas.openxmlformats.org/drawingml/2006/main" xmlns:r="http://schemas.openxmlformats.org/officeDocument/2006/relationships" xmlns:p="http://schemas.openxmlformats.org/presentationml/2006/main">
   <p:cSld>
     <p:spTree>
@@ -31387,7 +31455,7 @@
 </p:sld>
 </file>
 
-<file path=ppt/slides/slide31.xml><?xml version="1.0" encoding="utf-8"?>
+<file path=ppt/slides/slide32.xml><?xml version="1.0" encoding="utf-8"?>
 <p:sld xmlns:a="http://schemas.openxmlformats.org/drawingml/2006/main" xmlns:r="http://schemas.openxmlformats.org/officeDocument/2006/relationships" xmlns:p="http://schemas.openxmlformats.org/presentationml/2006/main">
   <p:cSld>
     <p:spTree>
@@ -32226,7 +32294,7 @@
 </p:sld>
 </file>
 
-<file path=ppt/slides/slide32.xml><?xml version="1.0" encoding="utf-8"?>
+<file path=ppt/slides/slide33.xml><?xml version="1.0" encoding="utf-8"?>
 <p:sld xmlns:a="http://schemas.openxmlformats.org/drawingml/2006/main" xmlns:r="http://schemas.openxmlformats.org/officeDocument/2006/relationships" xmlns:p="http://schemas.openxmlformats.org/presentationml/2006/main">
   <p:cSld>
     <p:spTree>
@@ -32372,8 +32440,8 @@
         </p:nvSpPr>
         <p:spPr>
           <a:xfrm>
-            <a:off x="3684896" y="4209602"/>
-            <a:ext cx="2458534" cy="1188172"/>
+            <a:off x="3678072" y="3830772"/>
+            <a:ext cx="2458534" cy="1571498"/>
           </a:xfrm>
           <a:prstGeom prst="roundRect">
             <a:avLst>
@@ -33444,8 +33512,8 @@
         </p:nvCxnSpPr>
         <p:spPr>
           <a:xfrm>
-            <a:off x="1310663" y="2897270"/>
-            <a:ext cx="2374233" cy="1906418"/>
+            <a:off x="1303839" y="2901766"/>
+            <a:ext cx="2374233" cy="1714755"/>
           </a:xfrm>
           <a:prstGeom prst="bentConnector3">
             <a:avLst>
@@ -33616,87 +33684,190 @@
           </p:txBody>
         </p:sp>
       </p:grpSp>
-      <p:cxnSp>
-        <p:nvCxnSpPr>
-          <p:cNvPr id="47" name="Straight Arrow Connector 46">
+      <p:sp>
+        <p:nvSpPr>
+          <p:cNvPr id="31" name="Freeform: Shape 30">
             <a:extLst>
               <a:ext uri="{FF2B5EF4-FFF2-40B4-BE49-F238E27FC236}">
-                <a16:creationId xmlns:a16="http://schemas.microsoft.com/office/drawing/2014/main" id="{6D249005-DE29-48DA-9B16-0FBA8A796C44}"/>
+                <a16:creationId xmlns:a16="http://schemas.microsoft.com/office/drawing/2014/main" id="{2687F10F-9894-4E90-853F-0A9225C87A97}"/>
               </a:ext>
             </a:extLst>
           </p:cNvPr>
-          <p:cNvCxnSpPr>
-            <a:cxnSpLocks/>
-            <a:stCxn id="4" idx="0"/>
-            <a:endCxn id="5" idx="2"/>
-          </p:cNvCxnSpPr>
-          <p:nvPr/>
-        </p:nvCxnSpPr>
-        <p:spPr>
-          <a:xfrm flipV="1">
-            <a:off x="4914163" y="3266604"/>
-            <a:ext cx="0" cy="942998"/>
-          </a:xfrm>
-          <a:prstGeom prst="straightConnector1">
-            <a:avLst/>
-          </a:prstGeom>
-          <a:ln w="50800">
-            <a:solidFill>
-              <a:srgbClr val="FF4343"/>
-            </a:solidFill>
-            <a:headEnd type="triangle" w="med" len="med"/>
-            <a:tailEnd type="oval" w="med" len="med"/>
-          </a:ln>
-        </p:spPr>
-        <p:style>
-          <a:lnRef idx="1">
-            <a:schemeClr val="accent1"/>
-          </a:lnRef>
-          <a:fillRef idx="0">
-            <a:schemeClr val="accent1"/>
-          </a:fillRef>
-          <a:effectRef idx="0">
-            <a:schemeClr val="accent1"/>
-          </a:effectRef>
-          <a:fontRef idx="minor">
-            <a:schemeClr val="tx1"/>
-          </a:fontRef>
-        </p:style>
-      </p:cxnSp>
-      <p:sp>
-        <p:nvSpPr>
-          <p:cNvPr id="50" name="TextBox 49">
-            <a:extLst>
-              <a:ext uri="{FF2B5EF4-FFF2-40B4-BE49-F238E27FC236}">
-                <a16:creationId xmlns:a16="http://schemas.microsoft.com/office/drawing/2014/main" id="{7490E305-1FED-42AE-8DA6-92874E7E03A8}"/>
-              </a:ext>
-            </a:extLst>
-          </p:cNvPr>
-          <p:cNvSpPr txBox="1"/>
+          <p:cNvSpPr/>
           <p:nvPr/>
         </p:nvSpPr>
         <p:spPr>
           <a:xfrm>
-            <a:off x="4512643" y="3553437"/>
-            <a:ext cx="803040" cy="369332"/>
+            <a:off x="3691296" y="3266604"/>
+            <a:ext cx="2458534" cy="892048"/>
           </a:xfrm>
-          <a:prstGeom prst="rect">
+          <a:custGeom>
             <a:avLst/>
-          </a:prstGeom>
+            <a:gdLst>
+              <a:gd name="connsiteX0" fmla="*/ 0 w 2458534"/>
+              <a:gd name="connsiteY0" fmla="*/ 0 h 892048"/>
+              <a:gd name="connsiteX1" fmla="*/ 2458534 w 2458534"/>
+              <a:gd name="connsiteY1" fmla="*/ 0 h 892048"/>
+              <a:gd name="connsiteX2" fmla="*/ 2458534 w 2458534"/>
+              <a:gd name="connsiteY2" fmla="*/ 581463 h 892048"/>
+              <a:gd name="connsiteX3" fmla="*/ 1462628 w 2458534"/>
+              <a:gd name="connsiteY3" fmla="*/ 581463 h 892048"/>
+              <a:gd name="connsiteX4" fmla="*/ 1462628 w 2458534"/>
+              <a:gd name="connsiteY4" fmla="*/ 753535 h 892048"/>
+              <a:gd name="connsiteX5" fmla="*/ 1462630 w 2458534"/>
+              <a:gd name="connsiteY5" fmla="*/ 753535 h 892048"/>
+              <a:gd name="connsiteX6" fmla="*/ 1462630 w 2458534"/>
+              <a:gd name="connsiteY6" fmla="*/ 756047 h 892048"/>
+              <a:gd name="connsiteX7" fmla="*/ 1229270 w 2458534"/>
+              <a:gd name="connsiteY7" fmla="*/ 892048 h 892048"/>
+              <a:gd name="connsiteX8" fmla="*/ 995906 w 2458534"/>
+              <a:gd name="connsiteY8" fmla="*/ 756045 h 892048"/>
+              <a:gd name="connsiteX9" fmla="*/ 995906 w 2458534"/>
+              <a:gd name="connsiteY9" fmla="*/ 753535 h 892048"/>
+              <a:gd name="connsiteX10" fmla="*/ 995904 w 2458534"/>
+              <a:gd name="connsiteY10" fmla="*/ 753535 h 892048"/>
+              <a:gd name="connsiteX11" fmla="*/ 995904 w 2458534"/>
+              <a:gd name="connsiteY11" fmla="*/ 581463 h 892048"/>
+              <a:gd name="connsiteX12" fmla="*/ 0 w 2458534"/>
+              <a:gd name="connsiteY12" fmla="*/ 581463 h 892048"/>
+              <a:gd name="connsiteX13" fmla="*/ 0 w 2458534"/>
+              <a:gd name="connsiteY13" fmla="*/ 0 h 892048"/>
+            </a:gdLst>
+            <a:ahLst/>
+            <a:cxnLst>
+              <a:cxn ang="0">
+                <a:pos x="connsiteX0" y="connsiteY0"/>
+              </a:cxn>
+              <a:cxn ang="0">
+                <a:pos x="connsiteX1" y="connsiteY1"/>
+              </a:cxn>
+              <a:cxn ang="0">
+                <a:pos x="connsiteX2" y="connsiteY2"/>
+              </a:cxn>
+              <a:cxn ang="0">
+                <a:pos x="connsiteX3" y="connsiteY3"/>
+              </a:cxn>
+              <a:cxn ang="0">
+                <a:pos x="connsiteX4" y="connsiteY4"/>
+              </a:cxn>
+              <a:cxn ang="0">
+                <a:pos x="connsiteX5" y="connsiteY5"/>
+              </a:cxn>
+              <a:cxn ang="0">
+                <a:pos x="connsiteX6" y="connsiteY6"/>
+              </a:cxn>
+              <a:cxn ang="0">
+                <a:pos x="connsiteX7" y="connsiteY7"/>
+              </a:cxn>
+              <a:cxn ang="0">
+                <a:pos x="connsiteX8" y="connsiteY8"/>
+              </a:cxn>
+              <a:cxn ang="0">
+                <a:pos x="connsiteX9" y="connsiteY9"/>
+              </a:cxn>
+              <a:cxn ang="0">
+                <a:pos x="connsiteX10" y="connsiteY10"/>
+              </a:cxn>
+              <a:cxn ang="0">
+                <a:pos x="connsiteX11" y="connsiteY11"/>
+              </a:cxn>
+              <a:cxn ang="0">
+                <a:pos x="connsiteX12" y="connsiteY12"/>
+              </a:cxn>
+              <a:cxn ang="0">
+                <a:pos x="connsiteX13" y="connsiteY13"/>
+              </a:cxn>
+            </a:cxnLst>
+            <a:rect l="l" t="t" r="r" b="b"/>
+            <a:pathLst>
+              <a:path w="2458534" h="892048">
+                <a:moveTo>
+                  <a:pt x="0" y="0"/>
+                </a:moveTo>
+                <a:lnTo>
+                  <a:pt x="2458534" y="0"/>
+                </a:lnTo>
+                <a:lnTo>
+                  <a:pt x="2458534" y="581463"/>
+                </a:lnTo>
+                <a:lnTo>
+                  <a:pt x="1462628" y="581463"/>
+                </a:lnTo>
+                <a:lnTo>
+                  <a:pt x="1462628" y="753535"/>
+                </a:lnTo>
+                <a:lnTo>
+                  <a:pt x="1462630" y="753535"/>
+                </a:lnTo>
+                <a:lnTo>
+                  <a:pt x="1462630" y="756047"/>
+                </a:lnTo>
+                <a:lnTo>
+                  <a:pt x="1229270" y="892048"/>
+                </a:lnTo>
+                <a:lnTo>
+                  <a:pt x="995906" y="756045"/>
+                </a:lnTo>
+                <a:lnTo>
+                  <a:pt x="995906" y="753535"/>
+                </a:lnTo>
+                <a:lnTo>
+                  <a:pt x="995904" y="753535"/>
+                </a:lnTo>
+                <a:lnTo>
+                  <a:pt x="995904" y="581463"/>
+                </a:lnTo>
+                <a:lnTo>
+                  <a:pt x="0" y="581463"/>
+                </a:lnTo>
+                <a:lnTo>
+                  <a:pt x="0" y="0"/>
+                </a:lnTo>
+                <a:close/>
+              </a:path>
+            </a:pathLst>
+          </a:custGeom>
           <a:solidFill>
-            <a:srgbClr val="102B3E"/>
+            <a:srgbClr val="FF4343"/>
           </a:solidFill>
+          <a:ln w="38100" cap="flat">
+            <a:solidFill>
+              <a:srgbClr val="102B3E"/>
+            </a:solidFill>
+            <a:miter lim="800000"/>
+          </a:ln>
         </p:spPr>
+        <p:style>
+          <a:lnRef idx="2">
+            <a:schemeClr val="accent5">
+              <a:shade val="50000"/>
+            </a:schemeClr>
+          </a:lnRef>
+          <a:fillRef idx="1">
+            <a:schemeClr val="accent5"/>
+          </a:fillRef>
+          <a:effectRef idx="0">
+            <a:schemeClr val="accent5"/>
+          </a:effectRef>
+          <a:fontRef idx="minor">
+            <a:schemeClr val="lt1"/>
+          </a:fontRef>
+        </p:style>
         <p:txBody>
-          <a:bodyPr wrap="none" rtlCol="0">
-            <a:spAutoFit/>
+          <a:bodyPr wrap="square" tIns="82800" bIns="154800" rtlCol="0" anchor="b">
+            <a:noAutofit/>
           </a:bodyPr>
           <a:lstStyle/>
           <a:p>
+            <a:pPr algn="ctr"/>
             <a:r>
               <a:rPr lang="sv-SE" b="1" dirty="0" err="1"/>
               <a:t>Merge</a:t>
             </a:r>
+            <a:endParaRPr lang="sv-SE" b="1" dirty="0"/>
+          </a:p>
+          <a:p>
+            <a:pPr algn="ctr"/>
             <a:endParaRPr lang="sv-SE" b="1" dirty="0"/>
           </a:p>
         </p:txBody>
@@ -33714,7 +33885,7 @@
 </p:sld>
 </file>
 
-<file path=ppt/slides/slide33.xml><?xml version="1.0" encoding="utf-8"?>
+<file path=ppt/slides/slide34.xml><?xml version="1.0" encoding="utf-8"?>
 <p:sld xmlns:a="http://schemas.openxmlformats.org/drawingml/2006/main" xmlns:r="http://schemas.openxmlformats.org/officeDocument/2006/relationships" xmlns:p="http://schemas.openxmlformats.org/presentationml/2006/main">
   <p:cSld>
     <p:spTree>
